--- a/Geofono/Presentacion-Images.pptx
+++ b/Geofono/Presentacion-Images.pptx
@@ -6,6 +6,7 @@
   </p:sldMasterIdLst>
   <p:sldIdLst>
     <p:sldId id="256" r:id="rId2"/>
+    <p:sldId id="257" r:id="rId3"/>
   </p:sldIdLst>
   <p:sldSz cx="12192000" cy="6858000"/>
   <p:notesSz cx="6858000" cy="9144000"/>
@@ -104,6 +105,11 @@
       </a:defRPr>
     </a:lvl9pPr>
   </p:defaultTextStyle>
+  <p:extLst>
+    <p:ext uri="{EFAFB233-063F-42B5-8137-9DF3F51BA10A}">
+      <p15:sldGuideLst xmlns:p15="http://schemas.microsoft.com/office/powerpoint/2012/main"/>
+    </p:ext>
+  </p:extLst>
 </p:presentation>
 </file>
 
@@ -256,7 +262,7 @@
           <a:p>
             <a:fld id="{9DE5DA95-B8CB-4282-9EB1-9B34D95DEA62}" type="datetimeFigureOut">
               <a:rPr lang="es-MX" smtClean="0"/>
-              <a:t>03/09/2018</a:t>
+              <a:t>04/09/2018</a:t>
             </a:fld>
             <a:endParaRPr lang="es-MX"/>
           </a:p>
@@ -456,7 +462,7 @@
           <a:p>
             <a:fld id="{9DE5DA95-B8CB-4282-9EB1-9B34D95DEA62}" type="datetimeFigureOut">
               <a:rPr lang="es-MX" smtClean="0"/>
-              <a:t>03/09/2018</a:t>
+              <a:t>04/09/2018</a:t>
             </a:fld>
             <a:endParaRPr lang="es-MX"/>
           </a:p>
@@ -666,7 +672,7 @@
           <a:p>
             <a:fld id="{9DE5DA95-B8CB-4282-9EB1-9B34D95DEA62}" type="datetimeFigureOut">
               <a:rPr lang="es-MX" smtClean="0"/>
-              <a:t>03/09/2018</a:t>
+              <a:t>04/09/2018</a:t>
             </a:fld>
             <a:endParaRPr lang="es-MX"/>
           </a:p>
@@ -866,7 +872,7 @@
           <a:p>
             <a:fld id="{9DE5DA95-B8CB-4282-9EB1-9B34D95DEA62}" type="datetimeFigureOut">
               <a:rPr lang="es-MX" smtClean="0"/>
-              <a:t>03/09/2018</a:t>
+              <a:t>04/09/2018</a:t>
             </a:fld>
             <a:endParaRPr lang="es-MX"/>
           </a:p>
@@ -1142,7 +1148,7 @@
           <a:p>
             <a:fld id="{9DE5DA95-B8CB-4282-9EB1-9B34D95DEA62}" type="datetimeFigureOut">
               <a:rPr lang="es-MX" smtClean="0"/>
-              <a:t>03/09/2018</a:t>
+              <a:t>04/09/2018</a:t>
             </a:fld>
             <a:endParaRPr lang="es-MX"/>
           </a:p>
@@ -1410,7 +1416,7 @@
           <a:p>
             <a:fld id="{9DE5DA95-B8CB-4282-9EB1-9B34D95DEA62}" type="datetimeFigureOut">
               <a:rPr lang="es-MX" smtClean="0"/>
-              <a:t>03/09/2018</a:t>
+              <a:t>04/09/2018</a:t>
             </a:fld>
             <a:endParaRPr lang="es-MX"/>
           </a:p>
@@ -1825,7 +1831,7 @@
           <a:p>
             <a:fld id="{9DE5DA95-B8CB-4282-9EB1-9B34D95DEA62}" type="datetimeFigureOut">
               <a:rPr lang="es-MX" smtClean="0"/>
-              <a:t>03/09/2018</a:t>
+              <a:t>04/09/2018</a:t>
             </a:fld>
             <a:endParaRPr lang="es-MX"/>
           </a:p>
@@ -1967,7 +1973,7 @@
           <a:p>
             <a:fld id="{9DE5DA95-B8CB-4282-9EB1-9B34D95DEA62}" type="datetimeFigureOut">
               <a:rPr lang="es-MX" smtClean="0"/>
-              <a:t>03/09/2018</a:t>
+              <a:t>04/09/2018</a:t>
             </a:fld>
             <a:endParaRPr lang="es-MX"/>
           </a:p>
@@ -2080,7 +2086,7 @@
           <a:p>
             <a:fld id="{9DE5DA95-B8CB-4282-9EB1-9B34D95DEA62}" type="datetimeFigureOut">
               <a:rPr lang="es-MX" smtClean="0"/>
-              <a:t>03/09/2018</a:t>
+              <a:t>04/09/2018</a:t>
             </a:fld>
             <a:endParaRPr lang="es-MX"/>
           </a:p>
@@ -2393,7 +2399,7 @@
           <a:p>
             <a:fld id="{9DE5DA95-B8CB-4282-9EB1-9B34D95DEA62}" type="datetimeFigureOut">
               <a:rPr lang="es-MX" smtClean="0"/>
-              <a:t>03/09/2018</a:t>
+              <a:t>04/09/2018</a:t>
             </a:fld>
             <a:endParaRPr lang="es-MX"/>
           </a:p>
@@ -2682,7 +2688,7 @@
           <a:p>
             <a:fld id="{9DE5DA95-B8CB-4282-9EB1-9B34D95DEA62}" type="datetimeFigureOut">
               <a:rPr lang="es-MX" smtClean="0"/>
-              <a:t>03/09/2018</a:t>
+              <a:t>04/09/2018</a:t>
             </a:fld>
             <a:endParaRPr lang="es-MX"/>
           </a:p>
@@ -2925,7 +2931,7 @@
           <a:p>
             <a:fld id="{9DE5DA95-B8CB-4282-9EB1-9B34D95DEA62}" type="datetimeFigureOut">
               <a:rPr lang="es-MX" smtClean="0"/>
-              <a:t>03/09/2018</a:t>
+              <a:t>04/09/2018</a:t>
             </a:fld>
             <a:endParaRPr lang="es-MX"/>
           </a:p>
@@ -3992,6 +3998,939 @@
 </p:sld>
 </file>
 
+<file path=ppt/slides/slide2.xml><?xml version="1.0" encoding="utf-8"?>
+<p:sld xmlns:a="http://schemas.openxmlformats.org/drawingml/2006/main" xmlns:r="http://schemas.openxmlformats.org/officeDocument/2006/relationships" xmlns:p="http://schemas.openxmlformats.org/presentationml/2006/main">
+  <p:cSld>
+    <p:spTree>
+      <p:nvGrpSpPr>
+        <p:cNvPr id="1" name=""/>
+        <p:cNvGrpSpPr/>
+        <p:nvPr/>
+      </p:nvGrpSpPr>
+      <p:grpSpPr>
+        <a:xfrm>
+          <a:off x="0" y="0"/>
+          <a:ext cx="0" cy="0"/>
+          <a:chOff x="0" y="0"/>
+          <a:chExt cx="0" cy="0"/>
+        </a:xfrm>
+      </p:grpSpPr>
+      <p:sp>
+        <p:nvSpPr>
+          <p:cNvPr id="2" name="Rectángulo 1">
+            <a:extLst>
+              <a:ext uri="{FF2B5EF4-FFF2-40B4-BE49-F238E27FC236}">
+                <a16:creationId xmlns:a16="http://schemas.microsoft.com/office/drawing/2014/main" id="{04F24F76-D3C2-4478-9498-5A899DD10378}"/>
+              </a:ext>
+            </a:extLst>
+          </p:cNvPr>
+          <p:cNvSpPr/>
+          <p:nvPr/>
+        </p:nvSpPr>
+        <p:spPr>
+          <a:xfrm>
+            <a:off x="5585791" y="651936"/>
+            <a:ext cx="1881809" cy="988356"/>
+          </a:xfrm>
+          <a:prstGeom prst="rect">
+            <a:avLst/>
+          </a:prstGeom>
+          <a:solidFill>
+            <a:schemeClr val="accent5">
+              <a:lumMod val="60000"/>
+              <a:lumOff val="40000"/>
+            </a:schemeClr>
+          </a:solidFill>
+        </p:spPr>
+        <p:style>
+          <a:lnRef idx="2">
+            <a:schemeClr val="accent1">
+              <a:shade val="50000"/>
+            </a:schemeClr>
+          </a:lnRef>
+          <a:fillRef idx="1">
+            <a:schemeClr val="accent1"/>
+          </a:fillRef>
+          <a:effectRef idx="0">
+            <a:schemeClr val="accent1"/>
+          </a:effectRef>
+          <a:fontRef idx="minor">
+            <a:schemeClr val="lt1"/>
+          </a:fontRef>
+        </p:style>
+        <p:txBody>
+          <a:bodyPr rtlCol="0" anchor="ctr"/>
+          <a:lstStyle/>
+          <a:p>
+            <a:pPr algn="ctr"/>
+            <a:r>
+              <a:rPr lang="es-MX" sz="2000" b="1" dirty="0">
+                <a:solidFill>
+                  <a:schemeClr val="tx1"/>
+                </a:solidFill>
+                <a:latin typeface="Arial" panose="020B0604020202020204" pitchFamily="34" charset="0"/>
+                <a:cs typeface="Arial" panose="020B0604020202020204" pitchFamily="34" charset="0"/>
+              </a:rPr>
+              <a:t>Etapa de Acoplamiento</a:t>
+            </a:r>
+          </a:p>
+        </p:txBody>
+      </p:sp>
+      <p:sp>
+        <p:nvSpPr>
+          <p:cNvPr id="4" name="Rectángulo 3">
+            <a:extLst>
+              <a:ext uri="{FF2B5EF4-FFF2-40B4-BE49-F238E27FC236}">
+                <a16:creationId xmlns:a16="http://schemas.microsoft.com/office/drawing/2014/main" id="{E2B13AD7-0ABC-4373-AB45-6B8685F5C15D}"/>
+              </a:ext>
+            </a:extLst>
+          </p:cNvPr>
+          <p:cNvSpPr/>
+          <p:nvPr/>
+        </p:nvSpPr>
+        <p:spPr>
+          <a:xfrm>
+            <a:off x="5585791" y="1971636"/>
+            <a:ext cx="1881809" cy="959083"/>
+          </a:xfrm>
+          <a:prstGeom prst="rect">
+            <a:avLst/>
+          </a:prstGeom>
+          <a:solidFill>
+            <a:schemeClr val="accent5">
+              <a:lumMod val="60000"/>
+              <a:lumOff val="40000"/>
+            </a:schemeClr>
+          </a:solidFill>
+        </p:spPr>
+        <p:style>
+          <a:lnRef idx="2">
+            <a:schemeClr val="accent1">
+              <a:shade val="50000"/>
+            </a:schemeClr>
+          </a:lnRef>
+          <a:fillRef idx="1">
+            <a:schemeClr val="accent1"/>
+          </a:fillRef>
+          <a:effectRef idx="0">
+            <a:schemeClr val="accent1"/>
+          </a:effectRef>
+          <a:fontRef idx="minor">
+            <a:schemeClr val="lt1"/>
+          </a:fontRef>
+        </p:style>
+        <p:txBody>
+          <a:bodyPr rtlCol="0" anchor="ctr"/>
+          <a:lstStyle/>
+          <a:p>
+            <a:pPr algn="ctr"/>
+            <a:r>
+              <a:rPr lang="es-MX" sz="2000" b="1" dirty="0">
+                <a:solidFill>
+                  <a:schemeClr val="tx1"/>
+                </a:solidFill>
+                <a:latin typeface="Arial" panose="020B0604020202020204" pitchFamily="34" charset="0"/>
+                <a:cs typeface="Arial" panose="020B0604020202020204" pitchFamily="34" charset="0"/>
+              </a:rPr>
+              <a:t>Etapa de Filtrado</a:t>
+            </a:r>
+          </a:p>
+        </p:txBody>
+      </p:sp>
+      <p:sp>
+        <p:nvSpPr>
+          <p:cNvPr id="5" name="Rectángulo 4">
+            <a:extLst>
+              <a:ext uri="{FF2B5EF4-FFF2-40B4-BE49-F238E27FC236}">
+                <a16:creationId xmlns:a16="http://schemas.microsoft.com/office/drawing/2014/main" id="{5A29A1F0-D951-4C4E-BDBB-51AEC89B8D91}"/>
+              </a:ext>
+            </a:extLst>
+          </p:cNvPr>
+          <p:cNvSpPr/>
+          <p:nvPr/>
+        </p:nvSpPr>
+        <p:spPr>
+          <a:xfrm>
+            <a:off x="5585791" y="3434878"/>
+            <a:ext cx="1881809" cy="1000557"/>
+          </a:xfrm>
+          <a:prstGeom prst="rect">
+            <a:avLst/>
+          </a:prstGeom>
+          <a:solidFill>
+            <a:schemeClr val="accent5">
+              <a:lumMod val="60000"/>
+              <a:lumOff val="40000"/>
+            </a:schemeClr>
+          </a:solidFill>
+        </p:spPr>
+        <p:style>
+          <a:lnRef idx="2">
+            <a:schemeClr val="accent1">
+              <a:shade val="50000"/>
+            </a:schemeClr>
+          </a:lnRef>
+          <a:fillRef idx="1">
+            <a:schemeClr val="accent1"/>
+          </a:fillRef>
+          <a:effectRef idx="0">
+            <a:schemeClr val="accent1"/>
+          </a:effectRef>
+          <a:fontRef idx="minor">
+            <a:schemeClr val="lt1"/>
+          </a:fontRef>
+        </p:style>
+        <p:txBody>
+          <a:bodyPr rtlCol="0" anchor="ctr"/>
+          <a:lstStyle/>
+          <a:p>
+            <a:pPr algn="ctr"/>
+            <a:r>
+              <a:rPr lang="es-MX" sz="2000" b="1" dirty="0">
+                <a:solidFill>
+                  <a:schemeClr val="tx1"/>
+                </a:solidFill>
+                <a:latin typeface="Arial" panose="020B0604020202020204" pitchFamily="34" charset="0"/>
+                <a:cs typeface="Arial" panose="020B0604020202020204" pitchFamily="34" charset="0"/>
+              </a:rPr>
+              <a:t>Etapa de Amplificación</a:t>
+            </a:r>
+          </a:p>
+        </p:txBody>
+      </p:sp>
+      <p:sp>
+        <p:nvSpPr>
+          <p:cNvPr id="6" name="Rectángulo 5">
+            <a:extLst>
+              <a:ext uri="{FF2B5EF4-FFF2-40B4-BE49-F238E27FC236}">
+                <a16:creationId xmlns:a16="http://schemas.microsoft.com/office/drawing/2014/main" id="{7D88AFE2-21A1-4DA1-910D-E1565C77A77E}"/>
+              </a:ext>
+            </a:extLst>
+          </p:cNvPr>
+          <p:cNvSpPr/>
+          <p:nvPr/>
+        </p:nvSpPr>
+        <p:spPr>
+          <a:xfrm>
+            <a:off x="5585791" y="4766780"/>
+            <a:ext cx="1881809" cy="988670"/>
+          </a:xfrm>
+          <a:prstGeom prst="rect">
+            <a:avLst/>
+          </a:prstGeom>
+          <a:solidFill>
+            <a:schemeClr val="accent5">
+              <a:lumMod val="60000"/>
+              <a:lumOff val="40000"/>
+            </a:schemeClr>
+          </a:solidFill>
+        </p:spPr>
+        <p:style>
+          <a:lnRef idx="2">
+            <a:schemeClr val="accent1">
+              <a:shade val="50000"/>
+            </a:schemeClr>
+          </a:lnRef>
+          <a:fillRef idx="1">
+            <a:schemeClr val="accent1"/>
+          </a:fillRef>
+          <a:effectRef idx="0">
+            <a:schemeClr val="accent1"/>
+          </a:effectRef>
+          <a:fontRef idx="minor">
+            <a:schemeClr val="lt1"/>
+          </a:fontRef>
+        </p:style>
+        <p:txBody>
+          <a:bodyPr rtlCol="0" anchor="ctr"/>
+          <a:lstStyle/>
+          <a:p>
+            <a:pPr algn="ctr"/>
+            <a:r>
+              <a:rPr lang="es-MX" sz="2000" b="1" dirty="0">
+                <a:solidFill>
+                  <a:schemeClr val="tx1"/>
+                </a:solidFill>
+                <a:latin typeface="Arial" panose="020B0604020202020204" pitchFamily="34" charset="0"/>
+                <a:cs typeface="Arial" panose="020B0604020202020204" pitchFamily="34" charset="0"/>
+              </a:rPr>
+              <a:t>Indicador de intensidad</a:t>
+            </a:r>
+          </a:p>
+        </p:txBody>
+      </p:sp>
+      <p:cxnSp>
+        <p:nvCxnSpPr>
+          <p:cNvPr id="8" name="Conector recto 7">
+            <a:extLst>
+              <a:ext uri="{FF2B5EF4-FFF2-40B4-BE49-F238E27FC236}">
+                <a16:creationId xmlns:a16="http://schemas.microsoft.com/office/drawing/2014/main" id="{5507B5AE-0CA1-4495-8031-D0548741B55C}"/>
+              </a:ext>
+            </a:extLst>
+          </p:cNvPr>
+          <p:cNvCxnSpPr>
+            <a:cxnSpLocks/>
+            <a:stCxn id="2" idx="2"/>
+            <a:endCxn id="4" idx="0"/>
+          </p:cNvCxnSpPr>
+          <p:nvPr/>
+        </p:nvCxnSpPr>
+        <p:spPr>
+          <a:xfrm>
+            <a:off x="6526696" y="1640292"/>
+            <a:ext cx="0" cy="331344"/>
+          </a:xfrm>
+          <a:prstGeom prst="line">
+            <a:avLst/>
+          </a:prstGeom>
+          <a:ln w="38100"/>
+        </p:spPr>
+        <p:style>
+          <a:lnRef idx="1">
+            <a:schemeClr val="accent1"/>
+          </a:lnRef>
+          <a:fillRef idx="0">
+            <a:schemeClr val="accent1"/>
+          </a:fillRef>
+          <a:effectRef idx="0">
+            <a:schemeClr val="accent1"/>
+          </a:effectRef>
+          <a:fontRef idx="minor">
+            <a:schemeClr val="tx1"/>
+          </a:fontRef>
+        </p:style>
+      </p:cxnSp>
+      <p:cxnSp>
+        <p:nvCxnSpPr>
+          <p:cNvPr id="11" name="Conector recto 10">
+            <a:extLst>
+              <a:ext uri="{FF2B5EF4-FFF2-40B4-BE49-F238E27FC236}">
+                <a16:creationId xmlns:a16="http://schemas.microsoft.com/office/drawing/2014/main" id="{90549492-040D-4789-9A63-45E3ED6D3EA3}"/>
+              </a:ext>
+            </a:extLst>
+          </p:cNvPr>
+          <p:cNvCxnSpPr>
+            <a:cxnSpLocks/>
+            <a:stCxn id="4" idx="2"/>
+            <a:endCxn id="5" idx="0"/>
+          </p:cNvCxnSpPr>
+          <p:nvPr/>
+        </p:nvCxnSpPr>
+        <p:spPr>
+          <a:xfrm>
+            <a:off x="6526696" y="2930719"/>
+            <a:ext cx="0" cy="504159"/>
+          </a:xfrm>
+          <a:prstGeom prst="line">
+            <a:avLst/>
+          </a:prstGeom>
+          <a:ln w="38100"/>
+        </p:spPr>
+        <p:style>
+          <a:lnRef idx="1">
+            <a:schemeClr val="accent1"/>
+          </a:lnRef>
+          <a:fillRef idx="0">
+            <a:schemeClr val="accent1"/>
+          </a:fillRef>
+          <a:effectRef idx="0">
+            <a:schemeClr val="accent1"/>
+          </a:effectRef>
+          <a:fontRef idx="minor">
+            <a:schemeClr val="tx1"/>
+          </a:fontRef>
+        </p:style>
+      </p:cxnSp>
+      <p:cxnSp>
+        <p:nvCxnSpPr>
+          <p:cNvPr id="14" name="Conector recto 13">
+            <a:extLst>
+              <a:ext uri="{FF2B5EF4-FFF2-40B4-BE49-F238E27FC236}">
+                <a16:creationId xmlns:a16="http://schemas.microsoft.com/office/drawing/2014/main" id="{415B4CB7-FE16-4EC1-B819-F4203E3B0DFA}"/>
+              </a:ext>
+            </a:extLst>
+          </p:cNvPr>
+          <p:cNvCxnSpPr>
+            <a:cxnSpLocks/>
+            <a:stCxn id="5" idx="2"/>
+            <a:endCxn id="6" idx="0"/>
+          </p:cNvCxnSpPr>
+          <p:nvPr/>
+        </p:nvCxnSpPr>
+        <p:spPr>
+          <a:xfrm>
+            <a:off x="6526696" y="4435435"/>
+            <a:ext cx="0" cy="331345"/>
+          </a:xfrm>
+          <a:prstGeom prst="line">
+            <a:avLst/>
+          </a:prstGeom>
+          <a:ln w="38100"/>
+        </p:spPr>
+        <p:style>
+          <a:lnRef idx="1">
+            <a:schemeClr val="accent1"/>
+          </a:lnRef>
+          <a:fillRef idx="0">
+            <a:schemeClr val="accent1"/>
+          </a:fillRef>
+          <a:effectRef idx="0">
+            <a:schemeClr val="accent1"/>
+          </a:effectRef>
+          <a:fontRef idx="minor">
+            <a:schemeClr val="tx1"/>
+          </a:fontRef>
+        </p:style>
+      </p:cxnSp>
+      <p:sp>
+        <p:nvSpPr>
+          <p:cNvPr id="17" name="Rectángulo 16">
+            <a:extLst>
+              <a:ext uri="{FF2B5EF4-FFF2-40B4-BE49-F238E27FC236}">
+                <a16:creationId xmlns:a16="http://schemas.microsoft.com/office/drawing/2014/main" id="{499C8184-487C-478E-B284-41EA13417765}"/>
+              </a:ext>
+            </a:extLst>
+          </p:cNvPr>
+          <p:cNvSpPr/>
+          <p:nvPr/>
+        </p:nvSpPr>
+        <p:spPr>
+          <a:xfrm>
+            <a:off x="467763" y="669233"/>
+            <a:ext cx="541815" cy="5103511"/>
+          </a:xfrm>
+          <a:prstGeom prst="rect">
+            <a:avLst/>
+          </a:prstGeom>
+          <a:solidFill>
+            <a:srgbClr val="DCC562"/>
+          </a:solidFill>
+          <a:ln>
+            <a:solidFill>
+              <a:srgbClr val="DCC562"/>
+            </a:solidFill>
+          </a:ln>
+        </p:spPr>
+        <p:style>
+          <a:lnRef idx="2">
+            <a:schemeClr val="accent1">
+              <a:shade val="50000"/>
+            </a:schemeClr>
+          </a:lnRef>
+          <a:fillRef idx="1">
+            <a:schemeClr val="accent1"/>
+          </a:fillRef>
+          <a:effectRef idx="0">
+            <a:schemeClr val="accent1"/>
+          </a:effectRef>
+          <a:fontRef idx="minor">
+            <a:schemeClr val="lt1"/>
+          </a:fontRef>
+        </p:style>
+        <p:txBody>
+          <a:bodyPr rtlCol="0" anchor="ctr"/>
+          <a:lstStyle/>
+          <a:p>
+            <a:pPr algn="ctr"/>
+            <a:endParaRPr lang="es-MX"/>
+          </a:p>
+        </p:txBody>
+      </p:sp>
+      <p:sp>
+        <p:nvSpPr>
+          <p:cNvPr id="18" name="Rectángulo 17">
+            <a:extLst>
+              <a:ext uri="{FF2B5EF4-FFF2-40B4-BE49-F238E27FC236}">
+                <a16:creationId xmlns:a16="http://schemas.microsoft.com/office/drawing/2014/main" id="{96132D8F-F1F3-4218-9E47-AFD87692A093}"/>
+              </a:ext>
+            </a:extLst>
+          </p:cNvPr>
+          <p:cNvSpPr/>
+          <p:nvPr/>
+        </p:nvSpPr>
+        <p:spPr>
+          <a:xfrm rot="5400000">
+            <a:off x="1812858" y="4075048"/>
+            <a:ext cx="543341" cy="2915476"/>
+          </a:xfrm>
+          <a:prstGeom prst="rect">
+            <a:avLst/>
+          </a:prstGeom>
+          <a:solidFill>
+            <a:srgbClr val="DCC562"/>
+          </a:solidFill>
+          <a:ln>
+            <a:solidFill>
+              <a:srgbClr val="DCC562"/>
+            </a:solidFill>
+          </a:ln>
+        </p:spPr>
+        <p:style>
+          <a:lnRef idx="2">
+            <a:schemeClr val="accent1">
+              <a:shade val="50000"/>
+            </a:schemeClr>
+          </a:lnRef>
+          <a:fillRef idx="1">
+            <a:schemeClr val="accent1"/>
+          </a:fillRef>
+          <a:effectRef idx="0">
+            <a:schemeClr val="accent1"/>
+          </a:effectRef>
+          <a:fontRef idx="minor">
+            <a:schemeClr val="lt1"/>
+          </a:fontRef>
+        </p:style>
+        <p:txBody>
+          <a:bodyPr rtlCol="0" anchor="ctr"/>
+          <a:lstStyle/>
+          <a:p>
+            <a:pPr algn="ctr"/>
+            <a:endParaRPr lang="es-MX" dirty="0"/>
+          </a:p>
+        </p:txBody>
+      </p:sp>
+      <p:sp>
+        <p:nvSpPr>
+          <p:cNvPr id="19" name="Rectángulo 18">
+            <a:extLst>
+              <a:ext uri="{FF2B5EF4-FFF2-40B4-BE49-F238E27FC236}">
+                <a16:creationId xmlns:a16="http://schemas.microsoft.com/office/drawing/2014/main" id="{8C61D4F4-8DEC-4E7D-A252-6C51FE82062B}"/>
+              </a:ext>
+            </a:extLst>
+          </p:cNvPr>
+          <p:cNvSpPr/>
+          <p:nvPr/>
+        </p:nvSpPr>
+        <p:spPr>
+          <a:xfrm rot="5400000">
+            <a:off x="1812859" y="-516837"/>
+            <a:ext cx="543342" cy="2915478"/>
+          </a:xfrm>
+          <a:prstGeom prst="rect">
+            <a:avLst/>
+          </a:prstGeom>
+          <a:solidFill>
+            <a:srgbClr val="DCC562"/>
+          </a:solidFill>
+          <a:ln>
+            <a:solidFill>
+              <a:srgbClr val="DCC562"/>
+            </a:solidFill>
+          </a:ln>
+        </p:spPr>
+        <p:style>
+          <a:lnRef idx="2">
+            <a:schemeClr val="accent1">
+              <a:shade val="50000"/>
+            </a:schemeClr>
+          </a:lnRef>
+          <a:fillRef idx="1">
+            <a:schemeClr val="accent1"/>
+          </a:fillRef>
+          <a:effectRef idx="0">
+            <a:schemeClr val="accent1"/>
+          </a:effectRef>
+          <a:fontRef idx="minor">
+            <a:schemeClr val="lt1"/>
+          </a:fontRef>
+        </p:style>
+        <p:txBody>
+          <a:bodyPr rtlCol="0" anchor="ctr"/>
+          <a:lstStyle/>
+          <a:p>
+            <a:pPr algn="ctr"/>
+            <a:endParaRPr lang="es-MX"/>
+          </a:p>
+        </p:txBody>
+      </p:sp>
+      <p:sp>
+        <p:nvSpPr>
+          <p:cNvPr id="20" name="Triángulo isósceles 19">
+            <a:extLst>
+              <a:ext uri="{FF2B5EF4-FFF2-40B4-BE49-F238E27FC236}">
+                <a16:creationId xmlns:a16="http://schemas.microsoft.com/office/drawing/2014/main" id="{F92F9608-7D14-4416-BB84-83BF799F44EB}"/>
+              </a:ext>
+            </a:extLst>
+          </p:cNvPr>
+          <p:cNvSpPr/>
+          <p:nvPr/>
+        </p:nvSpPr>
+        <p:spPr>
+          <a:xfrm rot="18503033">
+            <a:off x="199428" y="999193"/>
+            <a:ext cx="1659886" cy="706585"/>
+          </a:xfrm>
+          <a:prstGeom prst="triangle">
+            <a:avLst/>
+          </a:prstGeom>
+          <a:solidFill>
+            <a:srgbClr val="DCC562"/>
+          </a:solidFill>
+          <a:ln>
+            <a:solidFill>
+              <a:srgbClr val="DCC562"/>
+            </a:solidFill>
+          </a:ln>
+        </p:spPr>
+        <p:style>
+          <a:lnRef idx="2">
+            <a:schemeClr val="accent1">
+              <a:shade val="50000"/>
+            </a:schemeClr>
+          </a:lnRef>
+          <a:fillRef idx="1">
+            <a:schemeClr val="accent1"/>
+          </a:fillRef>
+          <a:effectRef idx="0">
+            <a:schemeClr val="accent1"/>
+          </a:effectRef>
+          <a:fontRef idx="minor">
+            <a:schemeClr val="lt1"/>
+          </a:fontRef>
+        </p:style>
+        <p:txBody>
+          <a:bodyPr rtlCol="0" anchor="ctr"/>
+          <a:lstStyle/>
+          <a:p>
+            <a:pPr algn="ctr"/>
+            <a:endParaRPr lang="es-MX"/>
+          </a:p>
+        </p:txBody>
+      </p:sp>
+      <p:pic>
+        <p:nvPicPr>
+          <p:cNvPr id="21" name="Picture 2" descr="Imagen relacionada">
+            <a:extLst>
+              <a:ext uri="{FF2B5EF4-FFF2-40B4-BE49-F238E27FC236}">
+                <a16:creationId xmlns:a16="http://schemas.microsoft.com/office/drawing/2014/main" id="{2455F1FD-9D45-41A8-A7A2-E30AE1013E42}"/>
+              </a:ext>
+            </a:extLst>
+          </p:cNvPr>
+          <p:cNvPicPr>
+            <a:picLocks noChangeAspect="1" noChangeArrowheads="1"/>
+          </p:cNvPicPr>
+          <p:nvPr/>
+        </p:nvPicPr>
+        <p:blipFill rotWithShape="1">
+          <a:blip r:embed="rId2">
+            <a:extLst>
+              <a:ext uri="{28A0092B-C50C-407E-A947-70E740481C1C}">
+                <a14:useLocalDpi xmlns:a14="http://schemas.microsoft.com/office/drawing/2010/main" val="0"/>
+              </a:ext>
+            </a:extLst>
+          </a:blip>
+          <a:srcRect l="15095" t="18770" r="14131" b="20571"/>
+          <a:stretch/>
+        </p:blipFill>
+        <p:spPr bwMode="auto">
+          <a:xfrm rot="5400000">
+            <a:off x="1343353" y="2292963"/>
+            <a:ext cx="2043988" cy="1751849"/>
+          </a:xfrm>
+          <a:prstGeom prst="rect">
+            <a:avLst/>
+          </a:prstGeom>
+          <a:noFill/>
+          <a:extLst>
+            <a:ext uri="{909E8E84-426E-40DD-AFC4-6F175D3DCCD1}">
+              <a14:hiddenFill xmlns:a14="http://schemas.microsoft.com/office/drawing/2010/main">
+                <a:solidFill>
+                  <a:srgbClr val="FFFFFF"/>
+                </a:solidFill>
+              </a14:hiddenFill>
+            </a:ext>
+          </a:extLst>
+        </p:spPr>
+      </p:pic>
+      <p:sp>
+        <p:nvSpPr>
+          <p:cNvPr id="22" name="Rectángulo 21">
+            <a:extLst>
+              <a:ext uri="{FF2B5EF4-FFF2-40B4-BE49-F238E27FC236}">
+                <a16:creationId xmlns:a16="http://schemas.microsoft.com/office/drawing/2014/main" id="{18122FA7-23E4-4DE2-B62D-D82D7AC0247D}"/>
+              </a:ext>
+            </a:extLst>
+          </p:cNvPr>
+          <p:cNvSpPr/>
+          <p:nvPr/>
+        </p:nvSpPr>
+        <p:spPr>
+          <a:xfrm>
+            <a:off x="1011104" y="2948014"/>
+            <a:ext cx="645016" cy="452744"/>
+          </a:xfrm>
+          <a:prstGeom prst="rect">
+            <a:avLst/>
+          </a:prstGeom>
+          <a:solidFill>
+            <a:schemeClr val="bg1"/>
+          </a:solidFill>
+          <a:ln>
+            <a:solidFill>
+              <a:schemeClr val="tx1"/>
+            </a:solidFill>
+          </a:ln>
+        </p:spPr>
+        <p:style>
+          <a:lnRef idx="2">
+            <a:schemeClr val="accent1">
+              <a:shade val="50000"/>
+            </a:schemeClr>
+          </a:lnRef>
+          <a:fillRef idx="1">
+            <a:schemeClr val="accent1"/>
+          </a:fillRef>
+          <a:effectRef idx="0">
+            <a:schemeClr val="accent1"/>
+          </a:effectRef>
+          <a:fontRef idx="minor">
+            <a:schemeClr val="lt1"/>
+          </a:fontRef>
+        </p:style>
+        <p:txBody>
+          <a:bodyPr rtlCol="0" anchor="ctr"/>
+          <a:lstStyle/>
+          <a:p>
+            <a:pPr algn="ctr"/>
+            <a:endParaRPr lang="es-MX"/>
+          </a:p>
+        </p:txBody>
+      </p:sp>
+      <p:pic>
+        <p:nvPicPr>
+          <p:cNvPr id="23" name="Picture 6" descr="Resultado de imagen para resorte png">
+            <a:extLst>
+              <a:ext uri="{FF2B5EF4-FFF2-40B4-BE49-F238E27FC236}">
+                <a16:creationId xmlns:a16="http://schemas.microsoft.com/office/drawing/2014/main" id="{5F8B04C2-6F0C-467E-A441-39573D5AEBFE}"/>
+              </a:ext>
+            </a:extLst>
+          </p:cNvPr>
+          <p:cNvPicPr>
+            <a:picLocks noChangeAspect="1" noChangeArrowheads="1"/>
+          </p:cNvPicPr>
+          <p:nvPr/>
+        </p:nvPicPr>
+        <p:blipFill>
+          <a:blip r:embed="rId3">
+            <a:extLst>
+              <a:ext uri="{28A0092B-C50C-407E-A947-70E740481C1C}">
+                <a14:useLocalDpi xmlns:a14="http://schemas.microsoft.com/office/drawing/2010/main" val="0"/>
+              </a:ext>
+            </a:extLst>
+          </a:blip>
+          <a:srcRect/>
+          <a:stretch>
+            <a:fillRect/>
+          </a:stretch>
+        </p:blipFill>
+        <p:spPr bwMode="auto">
+          <a:xfrm>
+            <a:off x="1836746" y="1166211"/>
+            <a:ext cx="1255957" cy="1131897"/>
+          </a:xfrm>
+          <a:prstGeom prst="rect">
+            <a:avLst/>
+          </a:prstGeom>
+          <a:noFill/>
+          <a:extLst>
+            <a:ext uri="{909E8E84-426E-40DD-AFC4-6F175D3DCCD1}">
+              <a14:hiddenFill xmlns:a14="http://schemas.microsoft.com/office/drawing/2010/main">
+                <a:solidFill>
+                  <a:srgbClr val="FFFFFF"/>
+                </a:solidFill>
+              </a14:hiddenFill>
+            </a:ext>
+          </a:extLst>
+        </p:spPr>
+      </p:pic>
+      <p:sp>
+        <p:nvSpPr>
+          <p:cNvPr id="60" name="Forma libre: forma 59">
+            <a:extLst>
+              <a:ext uri="{FF2B5EF4-FFF2-40B4-BE49-F238E27FC236}">
+                <a16:creationId xmlns:a16="http://schemas.microsoft.com/office/drawing/2014/main" id="{F0F710FA-9879-472F-B30C-0A2606F11287}"/>
+              </a:ext>
+            </a:extLst>
+          </p:cNvPr>
+          <p:cNvSpPr/>
+          <p:nvPr/>
+        </p:nvSpPr>
+        <p:spPr>
+          <a:xfrm flipV="1">
+            <a:off x="4717775" y="848139"/>
+            <a:ext cx="868016" cy="254412"/>
+          </a:xfrm>
+          <a:custGeom>
+            <a:avLst/>
+            <a:gdLst>
+              <a:gd name="connsiteX0" fmla="*/ 2968487 w 2968487"/>
+              <a:gd name="connsiteY0" fmla="*/ 0 h 1543013"/>
+              <a:gd name="connsiteX1" fmla="*/ 1298713 w 2968487"/>
+              <a:gd name="connsiteY1" fmla="*/ 1444487 h 1543013"/>
+              <a:gd name="connsiteX2" fmla="*/ 0 w 2968487"/>
+              <a:gd name="connsiteY2" fmla="*/ 1404730 h 1543013"/>
+            </a:gdLst>
+            <a:ahLst/>
+            <a:cxnLst>
+              <a:cxn ang="0">
+                <a:pos x="connsiteX0" y="connsiteY0"/>
+              </a:cxn>
+              <a:cxn ang="0">
+                <a:pos x="connsiteX1" y="connsiteY1"/>
+              </a:cxn>
+              <a:cxn ang="0">
+                <a:pos x="connsiteX2" y="connsiteY2"/>
+              </a:cxn>
+            </a:cxnLst>
+            <a:rect l="l" t="t" r="r" b="b"/>
+            <a:pathLst>
+              <a:path w="2968487" h="1543013">
+                <a:moveTo>
+                  <a:pt x="2968487" y="0"/>
+                </a:moveTo>
+                <a:cubicBezTo>
+                  <a:pt x="2380974" y="605182"/>
+                  <a:pt x="1793461" y="1210365"/>
+                  <a:pt x="1298713" y="1444487"/>
+                </a:cubicBezTo>
+                <a:cubicBezTo>
+                  <a:pt x="803965" y="1678609"/>
+                  <a:pt x="229704" y="1424608"/>
+                  <a:pt x="0" y="1404730"/>
+                </a:cubicBezTo>
+              </a:path>
+            </a:pathLst>
+          </a:custGeom>
+          <a:noFill/>
+          <a:ln w="57150">
+            <a:solidFill>
+              <a:schemeClr val="tx1"/>
+            </a:solidFill>
+          </a:ln>
+        </p:spPr>
+        <p:style>
+          <a:lnRef idx="2">
+            <a:schemeClr val="accent1">
+              <a:shade val="50000"/>
+            </a:schemeClr>
+          </a:lnRef>
+          <a:fillRef idx="1">
+            <a:schemeClr val="accent1"/>
+          </a:fillRef>
+          <a:effectRef idx="0">
+            <a:schemeClr val="accent1"/>
+          </a:effectRef>
+          <a:fontRef idx="minor">
+            <a:schemeClr val="lt1"/>
+          </a:fontRef>
+        </p:style>
+        <p:txBody>
+          <a:bodyPr rtlCol="0" anchor="ctr"/>
+          <a:lstStyle/>
+          <a:p>
+            <a:pPr algn="ctr"/>
+            <a:endParaRPr lang="es-MX"/>
+          </a:p>
+        </p:txBody>
+      </p:sp>
+      <p:cxnSp>
+        <p:nvCxnSpPr>
+          <p:cNvPr id="61" name="Conector recto 60">
+            <a:extLst>
+              <a:ext uri="{FF2B5EF4-FFF2-40B4-BE49-F238E27FC236}">
+                <a16:creationId xmlns:a16="http://schemas.microsoft.com/office/drawing/2014/main" id="{EDC9E608-B89D-4BF5-9454-3120EA0FB5FD}"/>
+              </a:ext>
+            </a:extLst>
+          </p:cNvPr>
+          <p:cNvCxnSpPr>
+            <a:cxnSpLocks/>
+            <a:endCxn id="60" idx="2"/>
+          </p:cNvCxnSpPr>
+          <p:nvPr/>
+        </p:nvCxnSpPr>
+        <p:spPr>
+          <a:xfrm flipV="1">
+            <a:off x="2835966" y="870939"/>
+            <a:ext cx="1881809" cy="1554209"/>
+          </a:xfrm>
+          <a:prstGeom prst="line">
+            <a:avLst/>
+          </a:prstGeom>
+          <a:ln w="38100"/>
+        </p:spPr>
+        <p:style>
+          <a:lnRef idx="1">
+            <a:schemeClr val="accent1"/>
+          </a:lnRef>
+          <a:fillRef idx="0">
+            <a:schemeClr val="accent1"/>
+          </a:fillRef>
+          <a:effectRef idx="0">
+            <a:schemeClr val="accent1"/>
+          </a:effectRef>
+          <a:fontRef idx="minor">
+            <a:schemeClr val="tx1"/>
+          </a:fontRef>
+        </p:style>
+      </p:cxnSp>
+      <p:cxnSp>
+        <p:nvCxnSpPr>
+          <p:cNvPr id="62" name="Conector recto 61">
+            <a:extLst>
+              <a:ext uri="{FF2B5EF4-FFF2-40B4-BE49-F238E27FC236}">
+                <a16:creationId xmlns:a16="http://schemas.microsoft.com/office/drawing/2014/main" id="{6846047D-BF3C-4F27-9A7B-20D2FB532F27}"/>
+              </a:ext>
+            </a:extLst>
+          </p:cNvPr>
+          <p:cNvCxnSpPr>
+            <a:cxnSpLocks/>
+            <a:endCxn id="60" idx="2"/>
+          </p:cNvCxnSpPr>
+          <p:nvPr/>
+        </p:nvCxnSpPr>
+        <p:spPr>
+          <a:xfrm flipV="1">
+            <a:off x="2965925" y="870939"/>
+            <a:ext cx="1751850" cy="2137327"/>
+          </a:xfrm>
+          <a:prstGeom prst="line">
+            <a:avLst/>
+          </a:prstGeom>
+          <a:ln w="38100">
+            <a:solidFill>
+              <a:srgbClr val="FF0000"/>
+            </a:solidFill>
+          </a:ln>
+        </p:spPr>
+        <p:style>
+          <a:lnRef idx="1">
+            <a:schemeClr val="accent1"/>
+          </a:lnRef>
+          <a:fillRef idx="0">
+            <a:schemeClr val="accent1"/>
+          </a:fillRef>
+          <a:effectRef idx="0">
+            <a:schemeClr val="accent1"/>
+          </a:effectRef>
+          <a:fontRef idx="minor">
+            <a:schemeClr val="tx1"/>
+          </a:fontRef>
+        </p:style>
+      </p:cxnSp>
+    </p:spTree>
+    <p:extLst>
+      <p:ext uri="{BB962C8B-B14F-4D97-AF65-F5344CB8AC3E}">
+        <p14:creationId xmlns:p14="http://schemas.microsoft.com/office/powerpoint/2010/main" val="3762182373"/>
+      </p:ext>
+    </p:extLst>
+  </p:cSld>
+  <p:clrMapOvr>
+    <a:masterClrMapping/>
+  </p:clrMapOvr>
+</p:sld>
+</file>
+
 <file path=ppt/theme/theme1.xml><?xml version="1.0" encoding="utf-8"?>
 <a:theme xmlns:a="http://schemas.openxmlformats.org/drawingml/2006/main" name="Tema de Office">
   <a:themeElements>

--- a/Geofono/Presentacion-Images.pptx
+++ b/Geofono/Presentacion-Images.pptx
@@ -7,6 +7,7 @@
   <p:sldIdLst>
     <p:sldId id="256" r:id="rId2"/>
     <p:sldId id="257" r:id="rId3"/>
+    <p:sldId id="259" r:id="rId4"/>
   </p:sldIdLst>
   <p:sldSz cx="12192000" cy="6858000"/>
   <p:notesSz cx="6858000" cy="9144000"/>
@@ -262,7 +263,7 @@
           <a:p>
             <a:fld id="{9DE5DA95-B8CB-4282-9EB1-9B34D95DEA62}" type="datetimeFigureOut">
               <a:rPr lang="es-MX" smtClean="0"/>
-              <a:t>04/09/2018</a:t>
+              <a:t>09/09/2018</a:t>
             </a:fld>
             <a:endParaRPr lang="es-MX"/>
           </a:p>
@@ -462,7 +463,7 @@
           <a:p>
             <a:fld id="{9DE5DA95-B8CB-4282-9EB1-9B34D95DEA62}" type="datetimeFigureOut">
               <a:rPr lang="es-MX" smtClean="0"/>
-              <a:t>04/09/2018</a:t>
+              <a:t>09/09/2018</a:t>
             </a:fld>
             <a:endParaRPr lang="es-MX"/>
           </a:p>
@@ -672,7 +673,7 @@
           <a:p>
             <a:fld id="{9DE5DA95-B8CB-4282-9EB1-9B34D95DEA62}" type="datetimeFigureOut">
               <a:rPr lang="es-MX" smtClean="0"/>
-              <a:t>04/09/2018</a:t>
+              <a:t>09/09/2018</a:t>
             </a:fld>
             <a:endParaRPr lang="es-MX"/>
           </a:p>
@@ -872,7 +873,7 @@
           <a:p>
             <a:fld id="{9DE5DA95-B8CB-4282-9EB1-9B34D95DEA62}" type="datetimeFigureOut">
               <a:rPr lang="es-MX" smtClean="0"/>
-              <a:t>04/09/2018</a:t>
+              <a:t>09/09/2018</a:t>
             </a:fld>
             <a:endParaRPr lang="es-MX"/>
           </a:p>
@@ -1148,7 +1149,7 @@
           <a:p>
             <a:fld id="{9DE5DA95-B8CB-4282-9EB1-9B34D95DEA62}" type="datetimeFigureOut">
               <a:rPr lang="es-MX" smtClean="0"/>
-              <a:t>04/09/2018</a:t>
+              <a:t>09/09/2018</a:t>
             </a:fld>
             <a:endParaRPr lang="es-MX"/>
           </a:p>
@@ -1416,7 +1417,7 @@
           <a:p>
             <a:fld id="{9DE5DA95-B8CB-4282-9EB1-9B34D95DEA62}" type="datetimeFigureOut">
               <a:rPr lang="es-MX" smtClean="0"/>
-              <a:t>04/09/2018</a:t>
+              <a:t>09/09/2018</a:t>
             </a:fld>
             <a:endParaRPr lang="es-MX"/>
           </a:p>
@@ -1831,7 +1832,7 @@
           <a:p>
             <a:fld id="{9DE5DA95-B8CB-4282-9EB1-9B34D95DEA62}" type="datetimeFigureOut">
               <a:rPr lang="es-MX" smtClean="0"/>
-              <a:t>04/09/2018</a:t>
+              <a:t>09/09/2018</a:t>
             </a:fld>
             <a:endParaRPr lang="es-MX"/>
           </a:p>
@@ -1973,7 +1974,7 @@
           <a:p>
             <a:fld id="{9DE5DA95-B8CB-4282-9EB1-9B34D95DEA62}" type="datetimeFigureOut">
               <a:rPr lang="es-MX" smtClean="0"/>
-              <a:t>04/09/2018</a:t>
+              <a:t>09/09/2018</a:t>
             </a:fld>
             <a:endParaRPr lang="es-MX"/>
           </a:p>
@@ -2086,7 +2087,7 @@
           <a:p>
             <a:fld id="{9DE5DA95-B8CB-4282-9EB1-9B34D95DEA62}" type="datetimeFigureOut">
               <a:rPr lang="es-MX" smtClean="0"/>
-              <a:t>04/09/2018</a:t>
+              <a:t>09/09/2018</a:t>
             </a:fld>
             <a:endParaRPr lang="es-MX"/>
           </a:p>
@@ -2399,7 +2400,7 @@
           <a:p>
             <a:fld id="{9DE5DA95-B8CB-4282-9EB1-9B34D95DEA62}" type="datetimeFigureOut">
               <a:rPr lang="es-MX" smtClean="0"/>
-              <a:t>04/09/2018</a:t>
+              <a:t>09/09/2018</a:t>
             </a:fld>
             <a:endParaRPr lang="es-MX"/>
           </a:p>
@@ -2688,7 +2689,7 @@
           <a:p>
             <a:fld id="{9DE5DA95-B8CB-4282-9EB1-9B34D95DEA62}" type="datetimeFigureOut">
               <a:rPr lang="es-MX" smtClean="0"/>
-              <a:t>04/09/2018</a:t>
+              <a:t>09/09/2018</a:t>
             </a:fld>
             <a:endParaRPr lang="es-MX"/>
           </a:p>
@@ -2931,7 +2932,7 @@
           <a:p>
             <a:fld id="{9DE5DA95-B8CB-4282-9EB1-9B34D95DEA62}" type="datetimeFigureOut">
               <a:rPr lang="es-MX" smtClean="0"/>
-              <a:t>04/09/2018</a:t>
+              <a:t>09/09/2018</a:t>
             </a:fld>
             <a:endParaRPr lang="es-MX"/>
           </a:p>
@@ -4036,11 +4037,13 @@
             <a:avLst/>
           </a:prstGeom>
           <a:solidFill>
-            <a:schemeClr val="accent5">
-              <a:lumMod val="60000"/>
-              <a:lumOff val="40000"/>
-            </a:schemeClr>
+            <a:srgbClr val="E47562"/>
           </a:solidFill>
+          <a:ln>
+            <a:solidFill>
+              <a:srgbClr val="E47562"/>
+            </a:solidFill>
+          </a:ln>
         </p:spPr>
         <p:style>
           <a:lnRef idx="2">
@@ -4066,7 +4069,7 @@
             <a:r>
               <a:rPr lang="es-MX" sz="2000" b="1" dirty="0">
                 <a:solidFill>
-                  <a:schemeClr val="tx1"/>
+                  <a:schemeClr val="bg1"/>
                 </a:solidFill>
                 <a:latin typeface="Arial" panose="020B0604020202020204" pitchFamily="34" charset="0"/>
                 <a:cs typeface="Arial" panose="020B0604020202020204" pitchFamily="34" charset="0"/>
@@ -4097,11 +4100,13 @@
             <a:avLst/>
           </a:prstGeom>
           <a:solidFill>
-            <a:schemeClr val="accent5">
-              <a:lumMod val="60000"/>
-              <a:lumOff val="40000"/>
-            </a:schemeClr>
+            <a:srgbClr val="E47562"/>
           </a:solidFill>
+          <a:ln>
+            <a:solidFill>
+              <a:srgbClr val="E47562"/>
+            </a:solidFill>
+          </a:ln>
         </p:spPr>
         <p:style>
           <a:lnRef idx="2">
@@ -4127,7 +4132,7 @@
             <a:r>
               <a:rPr lang="es-MX" sz="2000" b="1" dirty="0">
                 <a:solidFill>
-                  <a:schemeClr val="tx1"/>
+                  <a:schemeClr val="bg1"/>
                 </a:solidFill>
                 <a:latin typeface="Arial" panose="020B0604020202020204" pitchFamily="34" charset="0"/>
                 <a:cs typeface="Arial" panose="020B0604020202020204" pitchFamily="34" charset="0"/>
@@ -4158,11 +4163,13 @@
             <a:avLst/>
           </a:prstGeom>
           <a:solidFill>
-            <a:schemeClr val="accent5">
-              <a:lumMod val="60000"/>
-              <a:lumOff val="40000"/>
-            </a:schemeClr>
+            <a:srgbClr val="E47562"/>
           </a:solidFill>
+          <a:ln>
+            <a:solidFill>
+              <a:srgbClr val="E47562"/>
+            </a:solidFill>
+          </a:ln>
         </p:spPr>
         <p:style>
           <a:lnRef idx="2">
@@ -4188,7 +4195,7 @@
             <a:r>
               <a:rPr lang="es-MX" sz="2000" b="1" dirty="0">
                 <a:solidFill>
-                  <a:schemeClr val="tx1"/>
+                  <a:schemeClr val="bg1"/>
                 </a:solidFill>
                 <a:latin typeface="Arial" panose="020B0604020202020204" pitchFamily="34" charset="0"/>
                 <a:cs typeface="Arial" panose="020B0604020202020204" pitchFamily="34" charset="0"/>
@@ -4219,11 +4226,13 @@
             <a:avLst/>
           </a:prstGeom>
           <a:solidFill>
-            <a:schemeClr val="accent5">
-              <a:lumMod val="60000"/>
-              <a:lumOff val="40000"/>
-            </a:schemeClr>
+            <a:srgbClr val="E47562"/>
           </a:solidFill>
+          <a:ln>
+            <a:solidFill>
+              <a:srgbClr val="E47562"/>
+            </a:solidFill>
+          </a:ln>
         </p:spPr>
         <p:style>
           <a:lnRef idx="2">
@@ -4249,7 +4258,7 @@
             <a:r>
               <a:rPr lang="es-MX" sz="2000" b="1" dirty="0">
                 <a:solidFill>
-                  <a:schemeClr val="tx1"/>
+                  <a:schemeClr val="bg1"/>
                 </a:solidFill>
                 <a:latin typeface="Arial" panose="020B0604020202020204" pitchFamily="34" charset="0"/>
                 <a:cs typeface="Arial" panose="020B0604020202020204" pitchFamily="34" charset="0"/>
@@ -4283,7 +4292,11 @@
           <a:prstGeom prst="line">
             <a:avLst/>
           </a:prstGeom>
-          <a:ln w="38100"/>
+          <a:ln w="38100">
+            <a:solidFill>
+              <a:schemeClr val="tx1"/>
+            </a:solidFill>
+          </a:ln>
         </p:spPr>
         <p:style>
           <a:lnRef idx="1">
@@ -4324,7 +4337,11 @@
           <a:prstGeom prst="line">
             <a:avLst/>
           </a:prstGeom>
-          <a:ln w="38100"/>
+          <a:ln w="38100">
+            <a:solidFill>
+              <a:schemeClr val="tx1"/>
+            </a:solidFill>
+          </a:ln>
         </p:spPr>
         <p:style>
           <a:lnRef idx="1">
@@ -4365,7 +4382,11 @@
           <a:prstGeom prst="line">
             <a:avLst/>
           </a:prstGeom>
-          <a:ln w="38100"/>
+          <a:ln w="38100">
+            <a:solidFill>
+              <a:schemeClr val="tx1"/>
+            </a:solidFill>
+          </a:ln>
         </p:spPr>
         <p:style>
           <a:lnRef idx="1">
@@ -4397,7 +4418,7 @@
         <p:spPr>
           <a:xfrm>
             <a:off x="467763" y="669233"/>
-            <a:ext cx="541815" cy="5103511"/>
+            <a:ext cx="541815" cy="3966347"/>
           </a:xfrm>
           <a:prstGeom prst="rect">
             <a:avLst/>
@@ -4450,8 +4471,8 @@
         </p:nvSpPr>
         <p:spPr>
           <a:xfrm rot="5400000">
-            <a:off x="1812858" y="4075048"/>
-            <a:ext cx="543341" cy="2915476"/>
+            <a:off x="1956667" y="2701986"/>
+            <a:ext cx="543341" cy="3521135"/>
           </a:xfrm>
           <a:prstGeom prst="rect">
             <a:avLst/>
@@ -4504,8 +4525,8 @@
         </p:nvSpPr>
         <p:spPr>
           <a:xfrm rot="5400000">
-            <a:off x="1812859" y="-516837"/>
-            <a:ext cx="543342" cy="2915478"/>
+            <a:off x="2036176" y="-740155"/>
+            <a:ext cx="543342" cy="3362113"/>
           </a:xfrm>
           <a:prstGeom prst="rect">
             <a:avLst/>
@@ -4544,60 +4565,6 @@
           </a:p>
         </p:txBody>
       </p:sp>
-      <p:sp>
-        <p:nvSpPr>
-          <p:cNvPr id="20" name="Triángulo isósceles 19">
-            <a:extLst>
-              <a:ext uri="{FF2B5EF4-FFF2-40B4-BE49-F238E27FC236}">
-                <a16:creationId xmlns:a16="http://schemas.microsoft.com/office/drawing/2014/main" id="{F92F9608-7D14-4416-BB84-83BF799F44EB}"/>
-              </a:ext>
-            </a:extLst>
-          </p:cNvPr>
-          <p:cNvSpPr/>
-          <p:nvPr/>
-        </p:nvSpPr>
-        <p:spPr>
-          <a:xfrm rot="18503033">
-            <a:off x="199428" y="999193"/>
-            <a:ext cx="1659886" cy="706585"/>
-          </a:xfrm>
-          <a:prstGeom prst="triangle">
-            <a:avLst/>
-          </a:prstGeom>
-          <a:solidFill>
-            <a:srgbClr val="DCC562"/>
-          </a:solidFill>
-          <a:ln>
-            <a:solidFill>
-              <a:srgbClr val="DCC562"/>
-            </a:solidFill>
-          </a:ln>
-        </p:spPr>
-        <p:style>
-          <a:lnRef idx="2">
-            <a:schemeClr val="accent1">
-              <a:shade val="50000"/>
-            </a:schemeClr>
-          </a:lnRef>
-          <a:fillRef idx="1">
-            <a:schemeClr val="accent1"/>
-          </a:fillRef>
-          <a:effectRef idx="0">
-            <a:schemeClr val="accent1"/>
-          </a:effectRef>
-          <a:fontRef idx="minor">
-            <a:schemeClr val="lt1"/>
-          </a:fontRef>
-        </p:style>
-        <p:txBody>
-          <a:bodyPr rtlCol="0" anchor="ctr"/>
-          <a:lstStyle/>
-          <a:p>
-            <a:pPr algn="ctr"/>
-            <a:endParaRPr lang="es-MX"/>
-          </a:p>
-        </p:txBody>
-      </p:sp>
       <p:pic>
         <p:nvPicPr>
           <p:cNvPr id="21" name="Picture 2" descr="Imagen relacionada">
@@ -4625,7 +4592,7 @@
         </p:blipFill>
         <p:spPr bwMode="auto">
           <a:xfrm rot="5400000">
-            <a:off x="1343353" y="2292963"/>
+            <a:off x="1343353" y="2292964"/>
             <a:ext cx="2043988" cy="1751849"/>
           </a:xfrm>
           <a:prstGeom prst="rect">
@@ -4834,12 +4801,66 @@
           </a:p>
         </p:txBody>
       </p:sp>
+      <p:sp>
+        <p:nvSpPr>
+          <p:cNvPr id="24" name="Rectángulo 23">
+            <a:extLst>
+              <a:ext uri="{FF2B5EF4-FFF2-40B4-BE49-F238E27FC236}">
+                <a16:creationId xmlns:a16="http://schemas.microsoft.com/office/drawing/2014/main" id="{666FE7B0-4F42-4512-A844-5DF495B6FE03}"/>
+              </a:ext>
+            </a:extLst>
+          </p:cNvPr>
+          <p:cNvSpPr/>
+          <p:nvPr/>
+        </p:nvSpPr>
+        <p:spPr>
+          <a:xfrm>
+            <a:off x="3440027" y="1059585"/>
+            <a:ext cx="541815" cy="3674639"/>
+          </a:xfrm>
+          <a:prstGeom prst="rect">
+            <a:avLst/>
+          </a:prstGeom>
+          <a:solidFill>
+            <a:srgbClr val="DCC562"/>
+          </a:solidFill>
+          <a:ln>
+            <a:solidFill>
+              <a:srgbClr val="DCC562"/>
+            </a:solidFill>
+          </a:ln>
+        </p:spPr>
+        <p:style>
+          <a:lnRef idx="2">
+            <a:schemeClr val="accent1">
+              <a:shade val="50000"/>
+            </a:schemeClr>
+          </a:lnRef>
+          <a:fillRef idx="1">
+            <a:schemeClr val="accent1"/>
+          </a:fillRef>
+          <a:effectRef idx="0">
+            <a:schemeClr val="accent1"/>
+          </a:effectRef>
+          <a:fontRef idx="minor">
+            <a:schemeClr val="lt1"/>
+          </a:fontRef>
+        </p:style>
+        <p:txBody>
+          <a:bodyPr rtlCol="0" anchor="ctr"/>
+          <a:lstStyle/>
+          <a:p>
+            <a:pPr algn="ctr"/>
+            <a:endParaRPr lang="es-MX"/>
+          </a:p>
+        </p:txBody>
+      </p:sp>
       <p:cxnSp>
         <p:nvCxnSpPr>
-          <p:cNvPr id="61" name="Conector recto 60">
-            <a:extLst>
-              <a:ext uri="{FF2B5EF4-FFF2-40B4-BE49-F238E27FC236}">
-                <a16:creationId xmlns:a16="http://schemas.microsoft.com/office/drawing/2014/main" id="{EDC9E608-B89D-4BF5-9454-3120EA0FB5FD}"/>
+          <p:cNvPr id="62" name="Conector recto 61">
+            <a:extLst>
+              <a:ext uri="{FF2B5EF4-FFF2-40B4-BE49-F238E27FC236}">
+                <a16:creationId xmlns:a16="http://schemas.microsoft.com/office/drawing/2014/main" id="{6846047D-BF3C-4F27-9A7B-20D2FB532F27}"/>
               </a:ext>
             </a:extLst>
           </p:cNvPr>
@@ -4851,13 +4872,17 @@
         </p:nvCxnSpPr>
         <p:spPr>
           <a:xfrm flipV="1">
-            <a:off x="2835966" y="870939"/>
-            <a:ext cx="1881809" cy="1554209"/>
+            <a:off x="2965925" y="870939"/>
+            <a:ext cx="1751850" cy="2137327"/>
           </a:xfrm>
           <a:prstGeom prst="line">
             <a:avLst/>
           </a:prstGeom>
-          <a:ln w="38100"/>
+          <a:ln w="38100">
+            <a:solidFill>
+              <a:srgbClr val="FF0000"/>
+            </a:solidFill>
+          </a:ln>
         </p:spPr>
         <p:style>
           <a:lnRef idx="1">
@@ -4876,10 +4901,10 @@
       </p:cxnSp>
       <p:cxnSp>
         <p:nvCxnSpPr>
-          <p:cNvPr id="62" name="Conector recto 61">
-            <a:extLst>
-              <a:ext uri="{FF2B5EF4-FFF2-40B4-BE49-F238E27FC236}">
-                <a16:creationId xmlns:a16="http://schemas.microsoft.com/office/drawing/2014/main" id="{6846047D-BF3C-4F27-9A7B-20D2FB532F27}"/>
+          <p:cNvPr id="61" name="Conector recto 60">
+            <a:extLst>
+              <a:ext uri="{FF2B5EF4-FFF2-40B4-BE49-F238E27FC236}">
+                <a16:creationId xmlns:a16="http://schemas.microsoft.com/office/drawing/2014/main" id="{EDC9E608-B89D-4BF5-9454-3120EA0FB5FD}"/>
               </a:ext>
             </a:extLst>
           </p:cNvPr>
@@ -4891,17 +4916,13 @@
         </p:nvCxnSpPr>
         <p:spPr>
           <a:xfrm flipV="1">
-            <a:off x="2965925" y="870939"/>
-            <a:ext cx="1751850" cy="2137327"/>
+            <a:off x="2835966" y="870939"/>
+            <a:ext cx="1881809" cy="1554209"/>
           </a:xfrm>
           <a:prstGeom prst="line">
             <a:avLst/>
           </a:prstGeom>
-          <a:ln w="38100">
-            <a:solidFill>
-              <a:srgbClr val="FF0000"/>
-            </a:solidFill>
-          </a:ln>
+          <a:ln w="38100"/>
         </p:spPr>
         <p:style>
           <a:lnRef idx="1">
@@ -4918,10 +4939,278 @@
           </a:fontRef>
         </p:style>
       </p:cxnSp>
+      <p:sp>
+        <p:nvSpPr>
+          <p:cNvPr id="25" name="Rectángulo 24">
+            <a:extLst>
+              <a:ext uri="{FF2B5EF4-FFF2-40B4-BE49-F238E27FC236}">
+                <a16:creationId xmlns:a16="http://schemas.microsoft.com/office/drawing/2014/main" id="{4935648E-E796-4C42-B013-7B4F3C630545}"/>
+              </a:ext>
+            </a:extLst>
+          </p:cNvPr>
+          <p:cNvSpPr/>
+          <p:nvPr/>
+        </p:nvSpPr>
+        <p:spPr>
+          <a:xfrm>
+            <a:off x="8627165" y="4766780"/>
+            <a:ext cx="2756452" cy="978616"/>
+          </a:xfrm>
+          <a:prstGeom prst="rect">
+            <a:avLst/>
+          </a:prstGeom>
+          <a:solidFill>
+            <a:srgbClr val="E47562"/>
+          </a:solidFill>
+          <a:ln>
+            <a:solidFill>
+              <a:schemeClr val="tx1"/>
+            </a:solidFill>
+          </a:ln>
+        </p:spPr>
+        <p:style>
+          <a:lnRef idx="1">
+            <a:schemeClr val="accent2"/>
+          </a:lnRef>
+          <a:fillRef idx="2">
+            <a:schemeClr val="accent2"/>
+          </a:fillRef>
+          <a:effectRef idx="1">
+            <a:schemeClr val="accent2"/>
+          </a:effectRef>
+          <a:fontRef idx="minor">
+            <a:schemeClr val="dk1"/>
+          </a:fontRef>
+        </p:style>
+        <p:txBody>
+          <a:bodyPr rtlCol="0" anchor="ctr"/>
+          <a:lstStyle/>
+          <a:p>
+            <a:pPr algn="ctr"/>
+            <a:r>
+              <a:rPr lang="es-MX" sz="2000" b="1" dirty="0">
+                <a:solidFill>
+                  <a:schemeClr val="bg1"/>
+                </a:solidFill>
+                <a:latin typeface="Arial" panose="020B0604020202020204" pitchFamily="34" charset="0"/>
+                <a:cs typeface="Arial" panose="020B0604020202020204" pitchFamily="34" charset="0"/>
+              </a:rPr>
+              <a:t>Envío de datos a la aplicación</a:t>
+            </a:r>
+          </a:p>
+        </p:txBody>
+      </p:sp>
+      <p:sp>
+        <p:nvSpPr>
+          <p:cNvPr id="3" name="Flecha: a la derecha 2">
+            <a:extLst>
+              <a:ext uri="{FF2B5EF4-FFF2-40B4-BE49-F238E27FC236}">
+                <a16:creationId xmlns:a16="http://schemas.microsoft.com/office/drawing/2014/main" id="{DED3F418-2161-4297-BB2F-698B4860B5D1}"/>
+              </a:ext>
+            </a:extLst>
+          </p:cNvPr>
+          <p:cNvSpPr/>
+          <p:nvPr/>
+        </p:nvSpPr>
+        <p:spPr>
+          <a:xfrm>
+            <a:off x="7807566" y="5081181"/>
+            <a:ext cx="479633" cy="355860"/>
+          </a:xfrm>
+          <a:prstGeom prst="rightArrow">
+            <a:avLst/>
+          </a:prstGeom>
+          <a:solidFill>
+            <a:schemeClr val="tx1"/>
+          </a:solidFill>
+        </p:spPr>
+        <p:style>
+          <a:lnRef idx="2">
+            <a:schemeClr val="accent3">
+              <a:shade val="50000"/>
+            </a:schemeClr>
+          </a:lnRef>
+          <a:fillRef idx="1">
+            <a:schemeClr val="accent3"/>
+          </a:fillRef>
+          <a:effectRef idx="0">
+            <a:schemeClr val="accent3"/>
+          </a:effectRef>
+          <a:fontRef idx="minor">
+            <a:schemeClr val="lt1"/>
+          </a:fontRef>
+        </p:style>
+        <p:txBody>
+          <a:bodyPr rtlCol="0" anchor="ctr"/>
+          <a:lstStyle/>
+          <a:p>
+            <a:pPr algn="ctr"/>
+            <a:endParaRPr lang="es-MX"/>
+          </a:p>
+        </p:txBody>
+      </p:sp>
+      <p:pic>
+        <p:nvPicPr>
+          <p:cNvPr id="1030" name="Picture 6" descr="Imagen relacionada">
+            <a:extLst>
+              <a:ext uri="{FF2B5EF4-FFF2-40B4-BE49-F238E27FC236}">
+                <a16:creationId xmlns:a16="http://schemas.microsoft.com/office/drawing/2014/main" id="{747D9A04-CB4E-40B3-80C5-3F562750251E}"/>
+              </a:ext>
+            </a:extLst>
+          </p:cNvPr>
+          <p:cNvPicPr>
+            <a:picLocks noChangeAspect="1" noChangeArrowheads="1"/>
+          </p:cNvPicPr>
+          <p:nvPr/>
+        </p:nvPicPr>
+        <p:blipFill>
+          <a:blip r:embed="rId4">
+            <a:extLst>
+              <a:ext uri="{28A0092B-C50C-407E-A947-70E740481C1C}">
+                <a14:useLocalDpi xmlns:a14="http://schemas.microsoft.com/office/drawing/2010/main" val="0"/>
+              </a:ext>
+            </a:extLst>
+          </a:blip>
+          <a:srcRect/>
+          <a:stretch>
+            <a:fillRect/>
+          </a:stretch>
+        </p:blipFill>
+        <p:spPr bwMode="auto">
+          <a:xfrm>
+            <a:off x="8435009" y="2146894"/>
+            <a:ext cx="3321475" cy="2135234"/>
+          </a:xfrm>
+          <a:prstGeom prst="rect">
+            <a:avLst/>
+          </a:prstGeom>
+          <a:noFill/>
+          <a:extLst>
+            <a:ext uri="{909E8E84-426E-40DD-AFC4-6F175D3DCCD1}">
+              <a14:hiddenFill xmlns:a14="http://schemas.microsoft.com/office/drawing/2010/main">
+                <a:solidFill>
+                  <a:srgbClr val="FFFFFF"/>
+                </a:solidFill>
+              </a14:hiddenFill>
+            </a:ext>
+          </a:extLst>
+        </p:spPr>
+      </p:pic>
     </p:spTree>
     <p:extLst>
       <p:ext uri="{BB962C8B-B14F-4D97-AF65-F5344CB8AC3E}">
         <p14:creationId xmlns:p14="http://schemas.microsoft.com/office/powerpoint/2010/main" val="3762182373"/>
+      </p:ext>
+    </p:extLst>
+  </p:cSld>
+  <p:clrMapOvr>
+    <a:masterClrMapping/>
+  </p:clrMapOvr>
+</p:sld>
+</file>
+
+<file path=ppt/slides/slide3.xml><?xml version="1.0" encoding="utf-8"?>
+<p:sld xmlns:a="http://schemas.openxmlformats.org/drawingml/2006/main" xmlns:r="http://schemas.openxmlformats.org/officeDocument/2006/relationships" xmlns:p="http://schemas.openxmlformats.org/presentationml/2006/main">
+  <p:cSld>
+    <p:spTree>
+      <p:nvGrpSpPr>
+        <p:cNvPr id="1" name=""/>
+        <p:cNvGrpSpPr/>
+        <p:nvPr/>
+      </p:nvGrpSpPr>
+      <p:grpSpPr>
+        <a:xfrm>
+          <a:off x="0" y="0"/>
+          <a:ext cx="0" cy="0"/>
+          <a:chOff x="0" y="0"/>
+          <a:chExt cx="0" cy="0"/>
+        </a:xfrm>
+      </p:grpSpPr>
+      <p:pic>
+        <p:nvPicPr>
+          <p:cNvPr id="2" name="Imagen 1">
+            <a:extLst>
+              <a:ext uri="{FF2B5EF4-FFF2-40B4-BE49-F238E27FC236}">
+                <a16:creationId xmlns:a16="http://schemas.microsoft.com/office/drawing/2014/main" id="{998657FC-6132-4265-97AC-005AD22F9965}"/>
+              </a:ext>
+            </a:extLst>
+          </p:cNvPr>
+          <p:cNvPicPr>
+            <a:picLocks noChangeAspect="1"/>
+          </p:cNvPicPr>
+          <p:nvPr/>
+        </p:nvPicPr>
+        <p:blipFill>
+          <a:blip r:embed="rId2">
+            <a:extLst>
+              <a:ext uri="{28A0092B-C50C-407E-A947-70E740481C1C}">
+                <a14:useLocalDpi xmlns:a14="http://schemas.microsoft.com/office/drawing/2010/main" val="0"/>
+              </a:ext>
+            </a:extLst>
+          </a:blip>
+          <a:stretch>
+            <a:fillRect/>
+          </a:stretch>
+        </p:blipFill>
+        <p:spPr>
+          <a:xfrm>
+            <a:off x="3072284" y="769824"/>
+            <a:ext cx="5294715" cy="5318352"/>
+          </a:xfrm>
+          <a:prstGeom prst="rect">
+            <a:avLst/>
+          </a:prstGeom>
+        </p:spPr>
+      </p:pic>
+      <p:pic>
+        <p:nvPicPr>
+          <p:cNvPr id="3" name="Imagen 2">
+            <a:extLst>
+              <a:ext uri="{FF2B5EF4-FFF2-40B4-BE49-F238E27FC236}">
+                <a16:creationId xmlns:a16="http://schemas.microsoft.com/office/drawing/2014/main" id="{3CBAC1F8-7689-44E7-B8E9-E310C57EBB82}"/>
+              </a:ext>
+            </a:extLst>
+          </p:cNvPr>
+          <p:cNvPicPr>
+            <a:picLocks noChangeAspect="1"/>
+          </p:cNvPicPr>
+          <p:nvPr/>
+        </p:nvPicPr>
+        <p:blipFill>
+          <a:blip r:embed="rId3">
+            <a:extLst>
+              <a:ext uri="{BEBA8EAE-BF5A-486C-A8C5-ECC9F3942E4B}">
+                <a14:imgProps xmlns:a14="http://schemas.microsoft.com/office/drawing/2010/main">
+                  <a14:imgLayer r:embed="rId4">
+                    <a14:imgEffect>
+                      <a14:backgroundRemoval t="10000" b="90000" l="10000" r="90000"/>
+                    </a14:imgEffect>
+                  </a14:imgLayer>
+                </a14:imgProps>
+              </a:ext>
+              <a:ext uri="{28A0092B-C50C-407E-A947-70E740481C1C}">
+                <a14:useLocalDpi xmlns:a14="http://schemas.microsoft.com/office/drawing/2010/main" val="0"/>
+              </a:ext>
+            </a:extLst>
+          </a:blip>
+          <a:stretch>
+            <a:fillRect/>
+          </a:stretch>
+        </p:blipFill>
+        <p:spPr>
+          <a:xfrm>
+            <a:off x="2330163" y="1549922"/>
+            <a:ext cx="7158394" cy="3758156"/>
+          </a:xfrm>
+          <a:prstGeom prst="rect">
+            <a:avLst/>
+          </a:prstGeom>
+        </p:spPr>
+      </p:pic>
+    </p:spTree>
+    <p:extLst>
+      <p:ext uri="{BB962C8B-B14F-4D97-AF65-F5344CB8AC3E}">
+        <p14:creationId xmlns:p14="http://schemas.microsoft.com/office/powerpoint/2010/main" val="2438701806"/>
       </p:ext>
     </p:extLst>
   </p:cSld>
